--- a/queue stiudy.pptx
+++ b/queue stiudy.pptx
@@ -3757,7 +3757,7 @@
           <a:p>
             <a:pPr algn="ctr"/>
             <a:r>
-              <a:rPr kumimoji="1" lang="en-US" altLang="ko-Kore-KR"/>
+              <a:rPr kumimoji="1" lang="en-US" altLang="ko-Kore-KR" dirty="0"/>
               <a:t>pop()</a:t>
             </a:r>
             <a:endParaRPr kumimoji="1" lang="ko-Kore-KR" altLang="en-US" dirty="0"/>
